--- a/19presentation.pptx
+++ b/19presentation.pptx
@@ -111,6 +111,11 @@
       </a:defRPr>
     </a:lvl9pPr>
   </p:defaultTextStyle>
+  <p:extLst>
+    <p:ext uri="{EFAFB233-063F-42B5-8137-9DF3F51BA10A}">
+      <p15:sldGuideLst xmlns:p15="http://schemas.microsoft.com/office/powerpoint/2012/main"/>
+    </p:ext>
+  </p:extLst>
 </p:presentation>
 </file>
 
@@ -3750,6 +3755,47 @@
           <a:xfrm>
             <a:off x="6256865" y="1676135"/>
             <a:ext cx="5291667" cy="3505730"/>
+          </a:xfrm>
+          <a:prstGeom prst="rect">
+            <a:avLst/>
+          </a:prstGeom>
+          <a:noFill/>
+          <a:extLst>
+            <a:ext uri="{909E8E84-426E-40DD-AFC4-6F175D3DCCD1}">
+              <a14:hiddenFill xmlns:a14="http://schemas.microsoft.com/office/drawing/2010/main">
+                <a:solidFill>
+                  <a:srgbClr val="FFFFFF"/>
+                </a:solidFill>
+              </a14:hiddenFill>
+            </a:ext>
+          </a:extLst>
+        </p:spPr>
+      </p:pic>
+      <p:pic>
+        <p:nvPicPr>
+          <p:cNvPr id="4" name="Picture 2" descr="http://www.edulution.org/wp-content/uploads/2014/09/edulution-logo-013-e1410786518611.png"/>
+          <p:cNvPicPr>
+            <a:picLocks noChangeAspect="1" noChangeArrowheads="1"/>
+          </p:cNvPicPr>
+          <p:nvPr/>
+        </p:nvPicPr>
+        <p:blipFill>
+          <a:blip r:embed="rId4">
+            <a:extLst>
+              <a:ext uri="{28A0092B-C50C-407E-A947-70E740481C1C}">
+                <a14:useLocalDpi xmlns:a14="http://schemas.microsoft.com/office/drawing/2010/main" val="0"/>
+              </a:ext>
+            </a:extLst>
+          </a:blip>
+          <a:srcRect/>
+          <a:stretch>
+            <a:fillRect/>
+          </a:stretch>
+        </p:blipFill>
+        <p:spPr bwMode="auto">
+          <a:xfrm>
+            <a:off x="8415337" y="5507832"/>
+            <a:ext cx="3162300" cy="1171575"/>
           </a:xfrm>
           <a:prstGeom prst="rect">
             <a:avLst/>

--- a/19presentation.pptx
+++ b/19presentation.pptx
@@ -5,14 +5,15 @@
     <p:sldMasterId id="2147483648" r:id="rId1"/>
   </p:sldMasterIdLst>
   <p:notesMasterIdLst>
-    <p:notesMasterId r:id="rId7"/>
+    <p:notesMasterId r:id="rId8"/>
   </p:notesMasterIdLst>
   <p:sldIdLst>
     <p:sldId id="256" r:id="rId2"/>
-    <p:sldId id="257" r:id="rId3"/>
-    <p:sldId id="260" r:id="rId4"/>
-    <p:sldId id="258" r:id="rId5"/>
-    <p:sldId id="259" r:id="rId6"/>
+    <p:sldId id="258" r:id="rId3"/>
+    <p:sldId id="259" r:id="rId4"/>
+    <p:sldId id="260" r:id="rId5"/>
+    <p:sldId id="257" r:id="rId6"/>
+    <p:sldId id="261" r:id="rId7"/>
   </p:sldIdLst>
   <p:sldSz cx="12192000" cy="6858000"/>
   <p:notesSz cx="6858000" cy="9144000"/>
@@ -542,7 +543,7 @@
           <a:p>
             <a:fld id="{D1465701-A5A5-4232-8F35-6286772CC986}" type="slidenum">
               <a:rPr lang="en-GB" smtClean="0"/>
-              <a:t>5</a:t>
+              <a:t>3</a:t>
             </a:fld>
             <a:endParaRPr lang="en-GB"/>
           </a:p>
@@ -3515,6 +3516,13 @@
   <p:clrMapOvr>
     <a:masterClrMapping/>
   </p:clrMapOvr>
+  <p:timing>
+    <p:tnLst>
+      <p:par>
+        <p:cTn id="1" dur="indefinite" restart="never" nodeType="tmRoot"/>
+      </p:par>
+    </p:tnLst>
+  </p:timing>
 </p:sld>
 </file>
 
@@ -3551,80 +3559,182 @@
           <a:lstStyle/>
           <a:p>
             <a:r>
-              <a:rPr lang="en-GB" dirty="0"/>
-              <a:t>Timeline of Events</a:t>
-            </a:r>
-          </a:p>
-        </p:txBody>
-      </p:sp>
-      <p:sp>
-        <p:nvSpPr>
-          <p:cNvPr id="3" name="Content Placeholder 2"/>
-          <p:cNvSpPr>
-            <a:spLocks noGrp="1"/>
-          </p:cNvSpPr>
+              <a:rPr lang="en-GB" smtClean="0"/>
+              <a:t>Problem Breakdown</a:t>
+            </a:r>
+            <a:endParaRPr lang="en-GB" dirty="0"/>
+          </a:p>
+        </p:txBody>
+      </p:sp>
+      <p:graphicFrame>
+        <p:nvGraphicFramePr>
+          <p:cNvPr id="4" name="Content Placeholder 3"/>
+          <p:cNvGraphicFramePr>
+            <a:graphicFrameLocks noGrp="1"/>
+          </p:cNvGraphicFramePr>
           <p:nvPr>
             <p:ph idx="1"/>
-          </p:nvPr>
-        </p:nvSpPr>
-        <p:spPr/>
-        <p:txBody>
-          <a:bodyPr/>
-          <a:lstStyle/>
-          <a:p>
-            <a:r>
-              <a:rPr lang="en-GB" dirty="0"/>
-              <a:t>18:00-00:30 – Ideas, information gathering, setting up Amazon server</a:t>
-            </a:r>
-          </a:p>
-          <a:p>
-            <a:r>
-              <a:rPr lang="en-GB" dirty="0"/>
-              <a:t>00:30-02:00 – Attempted to use </a:t>
-            </a:r>
-            <a:r>
-              <a:rPr lang="en-GB" dirty="0" err="1"/>
-              <a:t>KALite</a:t>
-            </a:r>
-            <a:r>
-              <a:rPr lang="en-GB" dirty="0"/>
-              <a:t> files with API. Server breaks at 		      01:30</a:t>
-            </a:r>
-          </a:p>
-          <a:p>
-            <a:r>
-              <a:rPr lang="en-GB" dirty="0"/>
-              <a:t>02:00-04:00 – Gave up on attempting to integrate </a:t>
-            </a:r>
-            <a:r>
-              <a:rPr lang="en-GB" dirty="0" err="1"/>
-              <a:t>KALite</a:t>
-            </a:r>
-            <a:r>
-              <a:rPr lang="en-GB" dirty="0"/>
-              <a:t> remotely. At 		      04:00 given new server.</a:t>
-            </a:r>
-          </a:p>
-          <a:p>
-            <a:r>
-              <a:rPr lang="en-GB" dirty="0"/>
-              <a:t>04:00-06:00 – Switch to localhost server. Begin work on algorithms 			      using local database</a:t>
-            </a:r>
-          </a:p>
-          <a:p>
-            <a:r>
-              <a:rPr lang="en-GB" dirty="0"/>
-              <a:t>06:00 –12:00 Algorithm working and demo created. </a:t>
-            </a:r>
-          </a:p>
-          <a:p>
-            <a:endParaRPr lang="en-GB" dirty="0"/>
-          </a:p>
-        </p:txBody>
-      </p:sp>
+            <p:extLst>
+              <p:ext uri="{D42A27DB-BD31-4B8C-83A1-F6EECF244321}">
+                <p14:modId xmlns:p14="http://schemas.microsoft.com/office/powerpoint/2010/main" val="1738678481"/>
+              </p:ext>
+            </p:extLst>
+          </p:nvPr>
+        </p:nvGraphicFramePr>
+        <p:xfrm>
+          <a:off x="838200" y="1825625"/>
+          <a:ext cx="10515600" cy="4577080"/>
+        </p:xfrm>
+        <a:graphic>
+          <a:graphicData uri="http://schemas.openxmlformats.org/drawingml/2006/table">
+            <a:tbl>
+              <a:tblPr firstRow="1" bandRow="1">
+                <a:tableStyleId>{2D5ABB26-0587-4C30-8999-92F81FD0307C}</a:tableStyleId>
+              </a:tblPr>
+              <a:tblGrid>
+                <a:gridCol w="5257800">
+                  <a:extLst>
+                    <a:ext uri="{9D8B030D-6E8A-4147-A177-3AD203B41FA5}">
+                      <a16:colId xmlns:a16="http://schemas.microsoft.com/office/drawing/2014/main" xmlns="" val="105860606"/>
+                    </a:ext>
+                  </a:extLst>
+                </a:gridCol>
+                <a:gridCol w="5257800">
+                  <a:extLst>
+                    <a:ext uri="{9D8B030D-6E8A-4147-A177-3AD203B41FA5}">
+                      <a16:colId xmlns:a16="http://schemas.microsoft.com/office/drawing/2014/main" xmlns="" val="3714212208"/>
+                    </a:ext>
+                  </a:extLst>
+                </a:gridCol>
+              </a:tblGrid>
+              <a:tr h="3657600">
+                <a:tc>
+                  <a:txBody>
+                    <a:bodyPr/>
+                    <a:lstStyle/>
+                    <a:p>
+                      <a:r>
+                        <a:rPr lang="en-GB" sz="2800" b="1" strike="noStrike" dirty="0"/>
+                        <a:t>Usability</a:t>
+                      </a:r>
+                    </a:p>
+                    <a:p>
+                      <a:endParaRPr lang="en-GB" sz="2800" b="0" baseline="0" dirty="0"/>
+                    </a:p>
+                    <a:p>
+                      <a:r>
+                        <a:rPr lang="en-GB" sz="2800" b="0" baseline="0" dirty="0"/>
+                        <a:t>There’s no visible reward system.</a:t>
+                      </a:r>
+                    </a:p>
+                    <a:p>
+                      <a:endParaRPr lang="en-GB" b="0" baseline="0" dirty="0"/>
+                    </a:p>
+                  </a:txBody>
+                  <a:tcPr/>
+                </a:tc>
+                <a:tc>
+                  <a:txBody>
+                    <a:bodyPr/>
+                    <a:lstStyle/>
+                    <a:p>
+                      <a:r>
+                        <a:rPr lang="en-GB" sz="2800" b="1" dirty="0"/>
+                        <a:t>Data Tracking</a:t>
+                      </a:r>
+                    </a:p>
+                    <a:p>
+                      <a:r>
+                        <a:rPr lang="en-GB" sz="2800" b="0" dirty="0"/>
+                        <a:t>No Personalised course progression</a:t>
+                      </a:r>
+                      <a:r>
+                        <a:rPr lang="en-GB" sz="2800" b="0" baseline="0" dirty="0"/>
+                        <a:t> content:</a:t>
+                      </a:r>
+                    </a:p>
+                    <a:p>
+                      <a:r>
+                        <a:rPr lang="en-GB" sz="2800" b="0" dirty="0"/>
+                        <a:t>-    Recommendations</a:t>
+                      </a:r>
+                      <a:r>
+                        <a:rPr lang="en-GB" sz="2800" b="0" baseline="0" dirty="0"/>
+                        <a:t> for next </a:t>
+                      </a:r>
+                      <a:r>
+                        <a:rPr lang="en-GB" sz="2800" b="0" baseline="0" dirty="0" smtClean="0"/>
+                        <a:t>   exercises</a:t>
+                      </a:r>
+                      <a:endParaRPr lang="en-GB" sz="2800" b="0" baseline="0" dirty="0"/>
+                    </a:p>
+                    <a:p>
+                      <a:pPr marL="285750" indent="-285750">
+                        <a:buFontTx/>
+                        <a:buChar char="-"/>
+                      </a:pPr>
+                      <a:r>
+                        <a:rPr lang="en-GB" sz="2800" b="0" baseline="0" dirty="0"/>
+                        <a:t>Recommendations for easier exercises on failure of an exercise. </a:t>
+                      </a:r>
+                    </a:p>
+                    <a:p>
+                      <a:pPr marL="0" indent="0">
+                        <a:buFontTx/>
+                        <a:buNone/>
+                      </a:pPr>
+                      <a:endParaRPr lang="en-GB" sz="2800" b="0" baseline="0" dirty="0"/>
+                    </a:p>
+                    <a:p>
+                      <a:pPr marL="0" indent="0">
+                        <a:buFontTx/>
+                        <a:buNone/>
+                      </a:pPr>
+                      <a:endParaRPr lang="en-GB" b="0" baseline="0" dirty="0"/>
+                    </a:p>
+                  </a:txBody>
+                  <a:tcPr/>
+                </a:tc>
+                <a:extLst>
+                  <a:ext uri="{0D108BD9-81ED-4DB2-BD59-A6C34878D82A}">
+                    <a16:rowId xmlns:a16="http://schemas.microsoft.com/office/drawing/2014/main" xmlns="" val="1544684693"/>
+                  </a:ext>
+                </a:extLst>
+              </a:tr>
+              <a:tr h="370840">
+                <a:tc>
+                  <a:txBody>
+                    <a:bodyPr/>
+                    <a:lstStyle/>
+                    <a:p>
+                      <a:endParaRPr lang="en-GB" dirty="0"/>
+                    </a:p>
+                  </a:txBody>
+                  <a:tcPr/>
+                </a:tc>
+                <a:tc>
+                  <a:txBody>
+                    <a:bodyPr/>
+                    <a:lstStyle/>
+                    <a:p>
+                      <a:endParaRPr lang="en-GB" dirty="0"/>
+                    </a:p>
+                  </a:txBody>
+                  <a:tcPr/>
+                </a:tc>
+                <a:extLst>
+                  <a:ext uri="{0D108BD9-81ED-4DB2-BD59-A6C34878D82A}">
+                    <a16:rowId xmlns:a16="http://schemas.microsoft.com/office/drawing/2014/main" xmlns="" val="2839278117"/>
+                  </a:ext>
+                </a:extLst>
+              </a:tr>
+            </a:tbl>
+          </a:graphicData>
+        </a:graphic>
+      </p:graphicFrame>
       <p:pic>
         <p:nvPicPr>
-          <p:cNvPr id="4" name="Picture 2" descr="http://www.edulution.org/wp-content/uploads/2014/09/edulution-logo-013-e1410786518611.png"/>
+          <p:cNvPr id="6" name="Picture 2" descr="http://www.edulution.org/wp-content/uploads/2014/09/edulution-logo-013-e1410786518611.png"/>
           <p:cNvPicPr>
             <a:picLocks noChangeAspect="1" noChangeArrowheads="1"/>
           </p:cNvPicPr>
@@ -3666,17 +3776,187 @@
     </p:spTree>
     <p:extLst>
       <p:ext uri="{BB962C8B-B14F-4D97-AF65-F5344CB8AC3E}">
-        <p14:creationId xmlns:p14="http://schemas.microsoft.com/office/powerpoint/2010/main" val="2443645716"/>
+        <p14:creationId xmlns:p14="http://schemas.microsoft.com/office/powerpoint/2010/main" val="1545214847"/>
       </p:ext>
     </p:extLst>
   </p:cSld>
   <p:clrMapOvr>
     <a:masterClrMapping/>
   </p:clrMapOvr>
+  <p:timing>
+    <p:tnLst>
+      <p:par>
+        <p:cTn id="1" dur="indefinite" restart="never" nodeType="tmRoot"/>
+      </p:par>
+    </p:tnLst>
+  </p:timing>
 </p:sld>
 </file>
 
 <file path=ppt/slides/slide3.xml><?xml version="1.0" encoding="utf-8"?>
+<p:sld xmlns:a="http://schemas.openxmlformats.org/drawingml/2006/main" xmlns:r="http://schemas.openxmlformats.org/officeDocument/2006/relationships" xmlns:p="http://schemas.openxmlformats.org/presentationml/2006/main">
+  <p:cSld>
+    <p:spTree>
+      <p:nvGrpSpPr>
+        <p:cNvPr id="1" name=""/>
+        <p:cNvGrpSpPr/>
+        <p:nvPr/>
+      </p:nvGrpSpPr>
+      <p:grpSpPr>
+        <a:xfrm>
+          <a:off x="0" y="0"/>
+          <a:ext cx="0" cy="0"/>
+          <a:chOff x="0" y="0"/>
+          <a:chExt cx="0" cy="0"/>
+        </a:xfrm>
+      </p:grpSpPr>
+      <p:sp>
+        <p:nvSpPr>
+          <p:cNvPr id="2" name="Title 1"/>
+          <p:cNvSpPr>
+            <a:spLocks noGrp="1"/>
+          </p:cNvSpPr>
+          <p:nvPr>
+            <p:ph type="title"/>
+          </p:nvPr>
+        </p:nvSpPr>
+        <p:spPr/>
+        <p:txBody>
+          <a:bodyPr/>
+          <a:lstStyle/>
+          <a:p>
+            <a:r>
+              <a:rPr lang="en-GB" dirty="0"/>
+              <a:t>What we created </a:t>
+            </a:r>
+          </a:p>
+        </p:txBody>
+      </p:sp>
+      <p:sp>
+        <p:nvSpPr>
+          <p:cNvPr id="3" name="Content Placeholder 2"/>
+          <p:cNvSpPr>
+            <a:spLocks noGrp="1"/>
+          </p:cNvSpPr>
+          <p:nvPr>
+            <p:ph idx="1"/>
+          </p:nvPr>
+        </p:nvSpPr>
+        <p:spPr/>
+        <p:txBody>
+          <a:bodyPr/>
+          <a:lstStyle/>
+          <a:p>
+            <a:r>
+              <a:rPr lang="en-GB" sz="3200" dirty="0"/>
+              <a:t>Excel </a:t>
+            </a:r>
+            <a:r>
+              <a:rPr lang="en-GB" sz="3200" dirty="0" smtClean="0"/>
+              <a:t>data</a:t>
+            </a:r>
+            <a:r>
+              <a:rPr lang="en-GB" sz="3200" dirty="0" smtClean="0"/>
+              <a:t> </a:t>
+            </a:r>
+            <a:r>
+              <a:rPr lang="en-GB" sz="3200" dirty="0"/>
+              <a:t>was exported into a MySQL database </a:t>
+            </a:r>
+          </a:p>
+          <a:p>
+            <a:r>
+              <a:rPr lang="en-GB" sz="3200" dirty="0"/>
+              <a:t>MySQL database then accessed using PHP. </a:t>
+            </a:r>
+          </a:p>
+          <a:p>
+            <a:r>
+              <a:rPr lang="en-GB" sz="3200" dirty="0"/>
+              <a:t>PHP then used to write data onto the webpage. </a:t>
+            </a:r>
+          </a:p>
+          <a:p>
+            <a:r>
+              <a:rPr lang="en-GB" sz="3200" b="1" dirty="0"/>
+              <a:t>Webpage uses a login to show what exercises should be recommended for a student. </a:t>
+            </a:r>
+            <a:r>
+              <a:rPr lang="en-GB" sz="3200" b="1" dirty="0" smtClean="0"/>
+              <a:t>Can be used by coach for tailored recommendations</a:t>
+            </a:r>
+            <a:endParaRPr lang="en-GB" sz="3200" b="1" dirty="0"/>
+          </a:p>
+          <a:p>
+            <a:pPr marL="0" indent="0">
+              <a:buNone/>
+            </a:pPr>
+            <a:endParaRPr lang="en-GB" dirty="0"/>
+          </a:p>
+        </p:txBody>
+      </p:sp>
+      <p:pic>
+        <p:nvPicPr>
+          <p:cNvPr id="4" name="Picture 2" descr="http://www.edulution.org/wp-content/uploads/2014/09/edulution-logo-013-e1410786518611.png"/>
+          <p:cNvPicPr>
+            <a:picLocks noChangeAspect="1" noChangeArrowheads="1"/>
+          </p:cNvPicPr>
+          <p:nvPr/>
+        </p:nvPicPr>
+        <p:blipFill>
+          <a:blip r:embed="rId3">
+            <a:extLst>
+              <a:ext uri="{28A0092B-C50C-407E-A947-70E740481C1C}">
+                <a14:useLocalDpi xmlns:a14="http://schemas.microsoft.com/office/drawing/2010/main" val="0"/>
+              </a:ext>
+            </a:extLst>
+          </a:blip>
+          <a:srcRect/>
+          <a:stretch>
+            <a:fillRect/>
+          </a:stretch>
+        </p:blipFill>
+        <p:spPr bwMode="auto">
+          <a:xfrm>
+            <a:off x="8415337" y="5507832"/>
+            <a:ext cx="3162300" cy="1171575"/>
+          </a:xfrm>
+          <a:prstGeom prst="rect">
+            <a:avLst/>
+          </a:prstGeom>
+          <a:noFill/>
+          <a:extLst>
+            <a:ext uri="{909E8E84-426E-40DD-AFC4-6F175D3DCCD1}">
+              <a14:hiddenFill xmlns:a14="http://schemas.microsoft.com/office/drawing/2010/main">
+                <a:solidFill>
+                  <a:srgbClr val="FFFFFF"/>
+                </a:solidFill>
+              </a14:hiddenFill>
+            </a:ext>
+          </a:extLst>
+        </p:spPr>
+      </p:pic>
+    </p:spTree>
+    <p:extLst>
+      <p:ext uri="{BB962C8B-B14F-4D97-AF65-F5344CB8AC3E}">
+        <p14:creationId xmlns:p14="http://schemas.microsoft.com/office/powerpoint/2010/main" val="1161441183"/>
+      </p:ext>
+    </p:extLst>
+  </p:cSld>
+  <p:clrMapOvr>
+    <a:masterClrMapping/>
+  </p:clrMapOvr>
+  <p:timing>
+    <p:tnLst>
+      <p:par>
+        <p:cTn id="1" dur="indefinite" restart="never" nodeType="tmRoot"/>
+      </p:par>
+    </p:tnLst>
+  </p:timing>
+</p:sld>
+</file>
+
+<file path=ppt/slides/slide4.xml><?xml version="1.0" encoding="utf-8"?>
 <p:sld xmlns:a="http://schemas.openxmlformats.org/drawingml/2006/main" xmlns:r="http://schemas.openxmlformats.org/officeDocument/2006/relationships" xmlns:p="http://schemas.openxmlformats.org/presentationml/2006/main">
   <p:cSld>
     <p:spTree>
@@ -3822,10 +4102,17 @@
   <p:clrMapOvr>
     <a:masterClrMapping/>
   </p:clrMapOvr>
+  <p:timing>
+    <p:tnLst>
+      <p:par>
+        <p:cTn id="1" dur="indefinite" restart="never" nodeType="tmRoot"/>
+      </p:par>
+    </p:tnLst>
+  </p:timing>
 </p:sld>
 </file>
 
-<file path=ppt/slides/slide4.xml><?xml version="1.0" encoding="utf-8"?>
+<file path=ppt/slides/slide5.xml><?xml version="1.0" encoding="utf-8"?>
 <p:sld xmlns:a="http://schemas.openxmlformats.org/drawingml/2006/main" xmlns:r="http://schemas.openxmlformats.org/officeDocument/2006/relationships" xmlns:p="http://schemas.openxmlformats.org/presentationml/2006/main">
   <p:cSld>
     <p:spTree>
@@ -3859,252 +4146,105 @@
           <a:p>
             <a:r>
               <a:rPr lang="en-GB" dirty="0"/>
-              <a:t>The Initial Ideas</a:t>
-            </a:r>
-          </a:p>
-        </p:txBody>
-      </p:sp>
-      <p:graphicFrame>
-        <p:nvGraphicFramePr>
-          <p:cNvPr id="4" name="Content Placeholder 3"/>
-          <p:cNvGraphicFramePr>
-            <a:graphicFrameLocks noGrp="1"/>
-          </p:cNvGraphicFramePr>
+              <a:t>Timeline of Events</a:t>
+            </a:r>
+          </a:p>
+        </p:txBody>
+      </p:sp>
+      <p:sp>
+        <p:nvSpPr>
+          <p:cNvPr id="3" name="Content Placeholder 2"/>
+          <p:cNvSpPr>
+            <a:spLocks noGrp="1"/>
+          </p:cNvSpPr>
           <p:nvPr>
             <p:ph idx="1"/>
-            <p:extLst>
-              <p:ext uri="{D42A27DB-BD31-4B8C-83A1-F6EECF244321}">
-                <p14:modId xmlns:p14="http://schemas.microsoft.com/office/powerpoint/2010/main" val="2267482053"/>
-              </p:ext>
-            </p:extLst>
-          </p:nvPr>
-        </p:nvGraphicFramePr>
-        <p:xfrm>
-          <a:off x="838200" y="1825625"/>
-          <a:ext cx="10515600" cy="4028440"/>
-        </p:xfrm>
-        <a:graphic>
-          <a:graphicData uri="http://schemas.openxmlformats.org/drawingml/2006/table">
-            <a:tbl>
-              <a:tblPr firstRow="1" bandRow="1">
-                <a:tableStyleId>{2D5ABB26-0587-4C30-8999-92F81FD0307C}</a:tableStyleId>
-              </a:tblPr>
-              <a:tblGrid>
-                <a:gridCol w="5257800">
-                  <a:extLst>
-                    <a:ext uri="{9D8B030D-6E8A-4147-A177-3AD203B41FA5}">
-                      <a16:colId xmlns:a16="http://schemas.microsoft.com/office/drawing/2014/main" val="105860606"/>
-                    </a:ext>
-                  </a:extLst>
-                </a:gridCol>
-                <a:gridCol w="5257800">
-                  <a:extLst>
-                    <a:ext uri="{9D8B030D-6E8A-4147-A177-3AD203B41FA5}">
-                      <a16:colId xmlns:a16="http://schemas.microsoft.com/office/drawing/2014/main" val="3714212208"/>
-                    </a:ext>
-                  </a:extLst>
-                </a:gridCol>
-              </a:tblGrid>
-              <a:tr h="3657600">
-                <a:tc>
-                  <a:txBody>
-                    <a:bodyPr/>
-                    <a:lstStyle/>
-                    <a:p>
-                      <a:r>
-                        <a:rPr lang="en-GB" b="1" dirty="0"/>
-                        <a:t>Usability</a:t>
-                      </a:r>
-                    </a:p>
-                    <a:p>
-                      <a:r>
-                        <a:rPr lang="en-GB" b="0" dirty="0" err="1"/>
-                        <a:t>KA</a:t>
-                      </a:r>
-                      <a:r>
-                        <a:rPr lang="en-GB" b="0" baseline="0" dirty="0" err="1"/>
-                        <a:t>Lite</a:t>
-                      </a:r>
-                      <a:r>
-                        <a:rPr lang="en-GB" b="0" baseline="0" dirty="0"/>
-                        <a:t> navigation (finding exercises)</a:t>
-                      </a:r>
-                    </a:p>
-                    <a:p>
-                      <a:r>
-                        <a:rPr lang="en-GB" b="0" baseline="0" dirty="0"/>
-                        <a:t>     - too much English/words(children do not know                 </a:t>
-                      </a:r>
-                      <a:r>
-                        <a:rPr lang="en-GB" b="0" baseline="0" dirty="0">
-                          <a:solidFill>
-                            <a:schemeClr val="bg1"/>
-                          </a:solidFill>
-                        </a:rPr>
-                        <a:t>…….</a:t>
-                      </a:r>
-                      <a:r>
-                        <a:rPr lang="en-GB" b="0" baseline="0" dirty="0"/>
-                        <a:t>how to read properly as of yet)</a:t>
-                      </a:r>
-                    </a:p>
-                    <a:p>
-                      <a:endParaRPr lang="en-GB" b="0" baseline="0" dirty="0"/>
-                    </a:p>
-                    <a:p>
-                      <a:r>
-                        <a:rPr lang="en-GB" b="0" baseline="0" dirty="0"/>
-                        <a:t>There’s no visible reward system.</a:t>
-                      </a:r>
-                    </a:p>
-                    <a:p>
-                      <a:endParaRPr lang="en-GB" b="0" baseline="0" dirty="0"/>
-                    </a:p>
-                    <a:p>
-                      <a:r>
-                        <a:rPr lang="en-GB" b="0" baseline="0" dirty="0"/>
-                        <a:t>Application goes to the </a:t>
-                      </a:r>
-                      <a:r>
-                        <a:rPr lang="en-GB" b="0" baseline="0" dirty="0" err="1"/>
-                        <a:t>KALite</a:t>
-                      </a:r>
-                      <a:r>
-                        <a:rPr lang="en-GB" b="0" baseline="0" dirty="0"/>
-                        <a:t> system instead of running exercises in the application. </a:t>
-                      </a:r>
-                      <a:endParaRPr lang="en-GB" b="0" dirty="0"/>
-                    </a:p>
-                  </a:txBody>
-                  <a:tcPr/>
-                </a:tc>
-                <a:tc>
-                  <a:txBody>
-                    <a:bodyPr/>
-                    <a:lstStyle/>
-                    <a:p>
-                      <a:r>
-                        <a:rPr lang="en-GB" b="1" dirty="0"/>
-                        <a:t>Data Tracking</a:t>
-                      </a:r>
-                    </a:p>
-                    <a:p>
-                      <a:r>
-                        <a:rPr lang="en-GB" b="0" dirty="0"/>
-                        <a:t>No Personalised course progression</a:t>
-                      </a:r>
-                      <a:r>
-                        <a:rPr lang="en-GB" b="0" baseline="0" dirty="0"/>
-                        <a:t> content:</a:t>
-                      </a:r>
-                    </a:p>
-                    <a:p>
-                      <a:r>
-                        <a:rPr lang="en-GB" b="0" dirty="0"/>
-                        <a:t>-    Recommendations</a:t>
-                      </a:r>
-                      <a:r>
-                        <a:rPr lang="en-GB" b="0" baseline="0" dirty="0"/>
-                        <a:t> for next exercises</a:t>
-                      </a:r>
-                    </a:p>
-                    <a:p>
-                      <a:pPr marL="285750" indent="-285750">
-                        <a:buFontTx/>
-                        <a:buChar char="-"/>
-                      </a:pPr>
-                      <a:r>
-                        <a:rPr lang="en-GB" b="0" baseline="0" dirty="0"/>
-                        <a:t>Recommendations for easier exercises on failure of an exercise. </a:t>
-                      </a:r>
-                    </a:p>
-                    <a:p>
-                      <a:pPr marL="0" indent="0">
-                        <a:buFontTx/>
-                        <a:buNone/>
-                      </a:pPr>
-                      <a:endParaRPr lang="en-GB" b="0" baseline="0" dirty="0"/>
-                    </a:p>
-                    <a:p>
-                      <a:pPr marL="0" indent="0">
-                        <a:buFontTx/>
-                        <a:buNone/>
-                      </a:pPr>
-                      <a:r>
-                        <a:rPr lang="en-GB" b="0" baseline="0" dirty="0"/>
-                        <a:t>No history of completed/attempted exercises.</a:t>
-                      </a:r>
-                    </a:p>
-                    <a:p>
-                      <a:pPr marL="0" indent="0">
-                        <a:buFontTx/>
-                        <a:buNone/>
-                      </a:pPr>
-                      <a:endParaRPr lang="en-GB" b="0" baseline="0" dirty="0"/>
-                    </a:p>
-                    <a:p>
-                      <a:pPr marL="0" indent="0">
-                        <a:buFontTx/>
-                        <a:buNone/>
-                      </a:pPr>
-                      <a:r>
-                        <a:rPr lang="en-GB" b="0" baseline="0" dirty="0"/>
-                        <a:t>Student who is excelling is finding content of playlist too long. </a:t>
-                      </a:r>
-                    </a:p>
-                    <a:p>
-                      <a:pPr marL="0" indent="0">
-                        <a:buFontTx/>
-                        <a:buNone/>
-                      </a:pPr>
-                      <a:r>
-                        <a:rPr lang="en-GB" b="0" baseline="0" dirty="0"/>
-                        <a:t>Student who is struggling is finding content of playlist too short, they want to increase the number of exercises. </a:t>
-                      </a:r>
-                    </a:p>
-                  </a:txBody>
-                  <a:tcPr/>
-                </a:tc>
-                <a:extLst>
-                  <a:ext uri="{0D108BD9-81ED-4DB2-BD59-A6C34878D82A}">
-                    <a16:rowId xmlns:a16="http://schemas.microsoft.com/office/drawing/2014/main" val="1544684693"/>
-                  </a:ext>
-                </a:extLst>
-              </a:tr>
-              <a:tr h="370840">
-                <a:tc>
-                  <a:txBody>
-                    <a:bodyPr/>
-                    <a:lstStyle/>
-                    <a:p>
-                      <a:endParaRPr lang="en-GB" dirty="0"/>
-                    </a:p>
-                  </a:txBody>
-                  <a:tcPr/>
-                </a:tc>
-                <a:tc>
-                  <a:txBody>
-                    <a:bodyPr/>
-                    <a:lstStyle/>
-                    <a:p>
-                      <a:endParaRPr lang="en-GB" dirty="0"/>
-                    </a:p>
-                  </a:txBody>
-                  <a:tcPr/>
-                </a:tc>
-                <a:extLst>
-                  <a:ext uri="{0D108BD9-81ED-4DB2-BD59-A6C34878D82A}">
-                    <a16:rowId xmlns:a16="http://schemas.microsoft.com/office/drawing/2014/main" val="2839278117"/>
-                  </a:ext>
-                </a:extLst>
-              </a:tr>
-            </a:tbl>
-          </a:graphicData>
-        </a:graphic>
-      </p:graphicFrame>
+          </p:nvPr>
+        </p:nvSpPr>
+        <p:spPr/>
+        <p:txBody>
+          <a:bodyPr/>
+          <a:lstStyle/>
+          <a:p>
+            <a:r>
+              <a:rPr lang="en-GB" dirty="0"/>
+              <a:t>18:00-00:30 – Ideas, information gathering, setting up Amazon server</a:t>
+            </a:r>
+          </a:p>
+          <a:p>
+            <a:r>
+              <a:rPr lang="en-GB" dirty="0"/>
+              <a:t>00:30-02:00 – Attempted to use </a:t>
+            </a:r>
+            <a:r>
+              <a:rPr lang="en-GB" dirty="0" err="1"/>
+              <a:t>KALite</a:t>
+            </a:r>
+            <a:r>
+              <a:rPr lang="en-GB" dirty="0"/>
+              <a:t> files with API. Server breaks at 		      01:30</a:t>
+            </a:r>
+          </a:p>
+          <a:p>
+            <a:r>
+              <a:rPr lang="en-GB" dirty="0"/>
+              <a:t>02:00-04:00 – Gave up on attempting to integrate </a:t>
+            </a:r>
+            <a:r>
+              <a:rPr lang="en-GB" dirty="0" err="1"/>
+              <a:t>KALite</a:t>
+            </a:r>
+            <a:r>
+              <a:rPr lang="en-GB" dirty="0"/>
+              <a:t> remotely. At 		      04:00 given new server.</a:t>
+            </a:r>
+          </a:p>
+          <a:p>
+            <a:r>
+              <a:rPr lang="en-GB" dirty="0"/>
+              <a:t>04:00-06:00 – Switch to localhost server. Begin work on </a:t>
+            </a:r>
+            <a:r>
+              <a:rPr lang="en-GB" dirty="0" smtClean="0"/>
+              <a:t>demo page</a:t>
+            </a:r>
+            <a:r>
+              <a:rPr lang="en-GB" dirty="0"/>
+              <a:t>			      </a:t>
+            </a:r>
+            <a:r>
+              <a:rPr lang="en-GB" dirty="0" smtClean="0"/>
+              <a:t>using </a:t>
+            </a:r>
+            <a:r>
+              <a:rPr lang="en-GB" dirty="0"/>
+              <a:t>local database</a:t>
+            </a:r>
+          </a:p>
+          <a:p>
+            <a:r>
+              <a:rPr lang="en-GB" dirty="0" smtClean="0"/>
+              <a:t>06:00-12:00 </a:t>
+            </a:r>
+            <a:r>
+              <a:rPr lang="mr-IN" dirty="0" smtClean="0"/>
+              <a:t>–</a:t>
+            </a:r>
+            <a:r>
+              <a:rPr lang="en-GB" smtClean="0"/>
+              <a:t> demo </a:t>
+            </a:r>
+            <a:r>
+              <a:rPr lang="en-GB" dirty="0" smtClean="0"/>
+              <a:t>finalised.</a:t>
+            </a:r>
+            <a:endParaRPr lang="en-GB" dirty="0"/>
+          </a:p>
+        </p:txBody>
+      </p:sp>
       <p:pic>
         <p:nvPicPr>
-          <p:cNvPr id="6" name="Picture 2" descr="http://www.edulution.org/wp-content/uploads/2014/09/edulution-logo-013-e1410786518611.png"/>
+          <p:cNvPr id="4" name="Picture 2" descr="http://www.edulution.org/wp-content/uploads/2014/09/edulution-logo-013-e1410786518611.png"/>
           <p:cNvPicPr>
             <a:picLocks noChangeAspect="1" noChangeArrowheads="1"/>
           </p:cNvPicPr>
@@ -4146,17 +4286,24 @@
     </p:spTree>
     <p:extLst>
       <p:ext uri="{BB962C8B-B14F-4D97-AF65-F5344CB8AC3E}">
-        <p14:creationId xmlns:p14="http://schemas.microsoft.com/office/powerpoint/2010/main" val="1545214847"/>
+        <p14:creationId xmlns:p14="http://schemas.microsoft.com/office/powerpoint/2010/main" val="2443645716"/>
       </p:ext>
     </p:extLst>
   </p:cSld>
   <p:clrMapOvr>
     <a:masterClrMapping/>
   </p:clrMapOvr>
+  <p:timing>
+    <p:tnLst>
+      <p:par>
+        <p:cTn id="1" dur="indefinite" restart="never" nodeType="tmRoot"/>
+      </p:par>
+    </p:tnLst>
+  </p:timing>
 </p:sld>
 </file>
 
-<file path=ppt/slides/slide5.xml><?xml version="1.0" encoding="utf-8"?>
+<file path=ppt/slides/slide6.xml><?xml version="1.0" encoding="utf-8"?>
 <p:sld xmlns:a="http://schemas.openxmlformats.org/drawingml/2006/main" xmlns:r="http://schemas.openxmlformats.org/officeDocument/2006/relationships" xmlns:p="http://schemas.openxmlformats.org/presentationml/2006/main">
   <p:cSld>
     <p:spTree>
@@ -4189,55 +4336,270 @@
           <a:lstStyle/>
           <a:p>
             <a:r>
+              <a:rPr lang="en-US" dirty="0" smtClean="0"/>
+              <a:t>Future Improvements</a:t>
+            </a:r>
+            <a:endParaRPr lang="en-US" dirty="0"/>
+          </a:p>
+        </p:txBody>
+      </p:sp>
+      <p:sp>
+        <p:nvSpPr>
+          <p:cNvPr id="3" name="Content Placeholder 2"/>
+          <p:cNvSpPr>
+            <a:spLocks noGrp="1"/>
+          </p:cNvSpPr>
+          <p:nvPr>
+            <p:ph idx="1"/>
+          </p:nvPr>
+        </p:nvSpPr>
+        <p:spPr/>
+        <p:txBody>
+          <a:bodyPr>
+            <a:normAutofit fontScale="92500" lnSpcReduction="10000"/>
+          </a:bodyPr>
+          <a:lstStyle/>
+          <a:p>
+            <a:pPr marL="0" marR="0" lvl="0" indent="0" defTabSz="914400" eaLnBrk="1" fontAlgn="auto" latinLnBrk="0" hangingPunct="1">
+              <a:lnSpc>
+                <a:spcPct val="100000"/>
+              </a:lnSpc>
+              <a:spcBef>
+                <a:spcPts val="0"/>
+              </a:spcBef>
+              <a:spcAft>
+                <a:spcPts val="0"/>
+              </a:spcAft>
+              <a:buClrTx/>
+              <a:buSzTx/>
+              <a:buFontTx/>
+              <a:buNone/>
+              <a:tabLst/>
+              <a:defRPr/>
+            </a:pPr>
+            <a:r>
+              <a:rPr lang="en-US" b="1" dirty="0" smtClean="0"/>
+              <a:t>Usability:</a:t>
+            </a:r>
+          </a:p>
+          <a:p>
+            <a:r>
+              <a:rPr lang="en-GB" dirty="0" err="1"/>
+              <a:t>KALite</a:t>
+            </a:r>
+            <a:r>
               <a:rPr lang="en-GB" dirty="0"/>
-              <a:t>What we created </a:t>
-            </a:r>
-          </a:p>
-        </p:txBody>
-      </p:sp>
-      <p:sp>
-        <p:nvSpPr>
-          <p:cNvPr id="3" name="Content Placeholder 2"/>
-          <p:cNvSpPr>
-            <a:spLocks noGrp="1"/>
-          </p:cNvSpPr>
-          <p:nvPr>
-            <p:ph idx="1"/>
-          </p:nvPr>
-        </p:nvSpPr>
-        <p:spPr/>
-        <p:txBody>
-          <a:bodyPr/>
-          <a:lstStyle/>
-          <a:p>
+              <a:t> navigation (finding exercises</a:t>
+            </a:r>
+            <a:r>
+              <a:rPr lang="en-GB" dirty="0" smtClean="0"/>
+              <a:t>)- </a:t>
+            </a:r>
             <a:r>
               <a:rPr lang="en-GB" dirty="0"/>
-              <a:t>Excel database was exported into a MySQL database </a:t>
-            </a:r>
-          </a:p>
-          <a:p>
+              <a:t>too much English/words(children do not know </a:t>
+            </a:r>
+            <a:r>
+              <a:rPr lang="en-GB" dirty="0" smtClean="0"/>
+              <a:t>how </a:t>
+            </a:r>
             <a:r>
               <a:rPr lang="en-GB" dirty="0"/>
-              <a:t>MySQL database then accessed using PHP. </a:t>
+              <a:t>to read properly as of yet</a:t>
+            </a:r>
+            <a:r>
+              <a:rPr lang="en-GB" dirty="0" smtClean="0"/>
+              <a:t>)</a:t>
             </a:r>
           </a:p>
           <a:p>
             <a:r>
               <a:rPr lang="en-GB" dirty="0"/>
-              <a:t>PHP then used to write data onto the webpage. </a:t>
-            </a:r>
-          </a:p>
-          <a:p>
-            <a:r>
-              <a:rPr lang="en-GB" b="1" dirty="0"/>
-              <a:t>Webpage uses a login to show what exercises should be recommended for a student. CAN BE USED BY THE COACH FOR TAILORED LEARNING </a:t>
-            </a:r>
-          </a:p>
-          <a:p>
-            <a:pPr marL="0" indent="0">
-              <a:buNone/>
+              <a:t>Application goes to the </a:t>
+            </a:r>
+            <a:r>
+              <a:rPr lang="en-GB" dirty="0" err="1"/>
+              <a:t>KALite</a:t>
+            </a:r>
+            <a:r>
+              <a:rPr lang="en-GB" dirty="0"/>
+              <a:t> system instead of running exercises in the application. </a:t>
+            </a:r>
+          </a:p>
+          <a:p>
+            <a:pPr marL="0" marR="0" lvl="0" indent="0" defTabSz="914400" eaLnBrk="1" fontAlgn="auto" latinLnBrk="0" hangingPunct="1">
+              <a:lnSpc>
+                <a:spcPct val="100000"/>
+              </a:lnSpc>
+              <a:spcBef>
+                <a:spcPts val="0"/>
+              </a:spcBef>
+              <a:spcAft>
+                <a:spcPts val="0"/>
+              </a:spcAft>
+              <a:buClrTx/>
+              <a:buSzTx/>
+              <a:buFontTx/>
+              <a:buNone/>
+              <a:tabLst/>
+              <a:defRPr/>
+            </a:pPr>
+            <a:endParaRPr lang="en-US" dirty="0"/>
+          </a:p>
+          <a:p>
+            <a:pPr marL="0" marR="0" lvl="0" indent="0" defTabSz="914400" eaLnBrk="1" fontAlgn="auto" latinLnBrk="0" hangingPunct="1">
+              <a:lnSpc>
+                <a:spcPct val="100000"/>
+              </a:lnSpc>
+              <a:spcBef>
+                <a:spcPts val="0"/>
+              </a:spcBef>
+              <a:spcAft>
+                <a:spcPts val="0"/>
+              </a:spcAft>
+              <a:buClrTx/>
+              <a:buSzTx/>
+              <a:buFontTx/>
+              <a:buNone/>
+              <a:tabLst/>
+              <a:defRPr/>
+            </a:pPr>
+            <a:r>
+              <a:rPr lang="en-US" b="1" dirty="0" smtClean="0"/>
+              <a:t>Data Tracking:</a:t>
+            </a:r>
+          </a:p>
+          <a:p>
+            <a:pPr>
+              <a:lnSpc>
+                <a:spcPct val="100000"/>
+              </a:lnSpc>
+              <a:spcBef>
+                <a:spcPts val="0"/>
+              </a:spcBef>
+            </a:pPr>
+            <a:r>
+              <a:rPr lang="en-GB" dirty="0"/>
+              <a:t>No history of completed/attempted exercises</a:t>
+            </a:r>
+            <a:r>
+              <a:rPr lang="en-GB" dirty="0" smtClean="0"/>
+              <a:t>.</a:t>
+            </a:r>
+          </a:p>
+          <a:p>
+            <a:r>
+              <a:rPr lang="en-GB" dirty="0"/>
+              <a:t>Student who is excelling is finding content of playlist too long. </a:t>
+            </a:r>
+          </a:p>
+          <a:p>
+            <a:r>
+              <a:rPr lang="en-GB" dirty="0"/>
+              <a:t>Student who is struggling is finding content of playlist too short, they want to increase the number of exercises. </a:t>
+            </a:r>
+          </a:p>
+          <a:p>
+            <a:pPr>
+              <a:lnSpc>
+                <a:spcPct val="100000"/>
+              </a:lnSpc>
+              <a:spcBef>
+                <a:spcPts val="0"/>
+              </a:spcBef>
+            </a:pPr>
+            <a:endParaRPr lang="en-GB" dirty="0" smtClean="0"/>
+          </a:p>
+          <a:p>
+            <a:pPr>
+              <a:lnSpc>
+                <a:spcPct val="100000"/>
+              </a:lnSpc>
+              <a:spcBef>
+                <a:spcPts val="0"/>
+              </a:spcBef>
             </a:pPr>
             <a:endParaRPr lang="en-GB" dirty="0"/>
+          </a:p>
+          <a:p>
+            <a:pPr marL="0" marR="0" lvl="0" indent="0" defTabSz="914400" eaLnBrk="1" fontAlgn="auto" latinLnBrk="0" hangingPunct="1">
+              <a:lnSpc>
+                <a:spcPct val="100000"/>
+              </a:lnSpc>
+              <a:spcBef>
+                <a:spcPts val="0"/>
+              </a:spcBef>
+              <a:spcAft>
+                <a:spcPts val="0"/>
+              </a:spcAft>
+              <a:buClrTx/>
+              <a:buSzTx/>
+              <a:buFontTx/>
+              <a:buNone/>
+              <a:tabLst/>
+              <a:defRPr/>
+            </a:pPr>
+            <a:endParaRPr lang="en-US" b="1" dirty="0" smtClean="0"/>
+          </a:p>
+          <a:p>
+            <a:pPr marL="0" marR="0" lvl="0" indent="0" defTabSz="914400" eaLnBrk="1" fontAlgn="auto" latinLnBrk="0" hangingPunct="1">
+              <a:lnSpc>
+                <a:spcPct val="100000"/>
+              </a:lnSpc>
+              <a:spcBef>
+                <a:spcPts val="0"/>
+              </a:spcBef>
+              <a:spcAft>
+                <a:spcPts val="0"/>
+              </a:spcAft>
+              <a:buClrTx/>
+              <a:buSzTx/>
+              <a:buFontTx/>
+              <a:buNone/>
+              <a:tabLst/>
+              <a:defRPr/>
+            </a:pPr>
+            <a:endParaRPr lang="en-US" b="1" dirty="0" smtClean="0"/>
+          </a:p>
+          <a:p>
+            <a:pPr marL="0" marR="0" lvl="0" indent="0" defTabSz="914400" eaLnBrk="1" fontAlgn="auto" latinLnBrk="0" hangingPunct="1">
+              <a:lnSpc>
+                <a:spcPct val="100000"/>
+              </a:lnSpc>
+              <a:spcBef>
+                <a:spcPts val="0"/>
+              </a:spcBef>
+              <a:spcAft>
+                <a:spcPts val="0"/>
+              </a:spcAft>
+              <a:buClrTx/>
+              <a:buSzTx/>
+              <a:buFontTx/>
+              <a:buNone/>
+              <a:tabLst/>
+              <a:defRPr/>
+            </a:pPr>
+            <a:endParaRPr lang="en-US" dirty="0" smtClean="0"/>
+          </a:p>
+          <a:p>
+            <a:pPr marL="0" marR="0" lvl="0" indent="0" defTabSz="914400" eaLnBrk="1" fontAlgn="auto" latinLnBrk="0" hangingPunct="1">
+              <a:lnSpc>
+                <a:spcPct val="100000"/>
+              </a:lnSpc>
+              <a:spcBef>
+                <a:spcPts val="0"/>
+              </a:spcBef>
+              <a:spcAft>
+                <a:spcPts val="0"/>
+              </a:spcAft>
+              <a:buClrTx/>
+              <a:buSzTx/>
+              <a:buFontTx/>
+              <a:buNone/>
+              <a:tabLst/>
+              <a:defRPr/>
+            </a:pPr>
+            <a:endParaRPr lang="en-US" dirty="0"/>
           </a:p>
         </p:txBody>
       </p:sp>
@@ -4250,7 +4612,7 @@
           <p:nvPr/>
         </p:nvPicPr>
         <p:blipFill>
-          <a:blip r:embed="rId3">
+          <a:blip r:embed="rId2">
             <a:extLst>
               <a:ext uri="{28A0092B-C50C-407E-A947-70E740481C1C}">
                 <a14:useLocalDpi xmlns:a14="http://schemas.microsoft.com/office/drawing/2010/main" val="0"/>
@@ -4285,7 +4647,7 @@
     </p:spTree>
     <p:extLst>
       <p:ext uri="{BB962C8B-B14F-4D97-AF65-F5344CB8AC3E}">
-        <p14:creationId xmlns:p14="http://schemas.microsoft.com/office/powerpoint/2010/main" val="1161441183"/>
+        <p14:creationId xmlns:p14="http://schemas.microsoft.com/office/powerpoint/2010/main" val="1755506177"/>
       </p:ext>
     </p:extLst>
   </p:cSld>
